--- a/CNPM/2/models.pptx
+++ b/CNPM/2/models.pptx
@@ -266,7 +266,7 @@
           <a:p>
             <a:fld id="{923C452B-650F-4E17-95D9-02601AA66E78}" type="datetimeFigureOut">
               <a:rPr lang="vi-VN" smtClean="0"/>
-              <a:t>04/03/2024</a:t>
+              <a:t>05/03/2024</a:t>
             </a:fld>
             <a:endParaRPr lang="vi-VN"/>
           </a:p>
@@ -466,7 +466,7 @@
           <a:p>
             <a:fld id="{923C452B-650F-4E17-95D9-02601AA66E78}" type="datetimeFigureOut">
               <a:rPr lang="vi-VN" smtClean="0"/>
-              <a:t>04/03/2024</a:t>
+              <a:t>05/03/2024</a:t>
             </a:fld>
             <a:endParaRPr lang="vi-VN"/>
           </a:p>
@@ -676,7 +676,7 @@
           <a:p>
             <a:fld id="{923C452B-650F-4E17-95D9-02601AA66E78}" type="datetimeFigureOut">
               <a:rPr lang="vi-VN" smtClean="0"/>
-              <a:t>04/03/2024</a:t>
+              <a:t>05/03/2024</a:t>
             </a:fld>
             <a:endParaRPr lang="vi-VN"/>
           </a:p>
@@ -876,7 +876,7 @@
           <a:p>
             <a:fld id="{923C452B-650F-4E17-95D9-02601AA66E78}" type="datetimeFigureOut">
               <a:rPr lang="vi-VN" smtClean="0"/>
-              <a:t>04/03/2024</a:t>
+              <a:t>05/03/2024</a:t>
             </a:fld>
             <a:endParaRPr lang="vi-VN"/>
           </a:p>
@@ -1152,7 +1152,7 @@
           <a:p>
             <a:fld id="{923C452B-650F-4E17-95D9-02601AA66E78}" type="datetimeFigureOut">
               <a:rPr lang="vi-VN" smtClean="0"/>
-              <a:t>04/03/2024</a:t>
+              <a:t>05/03/2024</a:t>
             </a:fld>
             <a:endParaRPr lang="vi-VN"/>
           </a:p>
@@ -1420,7 +1420,7 @@
           <a:p>
             <a:fld id="{923C452B-650F-4E17-95D9-02601AA66E78}" type="datetimeFigureOut">
               <a:rPr lang="vi-VN" smtClean="0"/>
-              <a:t>04/03/2024</a:t>
+              <a:t>05/03/2024</a:t>
             </a:fld>
             <a:endParaRPr lang="vi-VN"/>
           </a:p>
@@ -1835,7 +1835,7 @@
           <a:p>
             <a:fld id="{923C452B-650F-4E17-95D9-02601AA66E78}" type="datetimeFigureOut">
               <a:rPr lang="vi-VN" smtClean="0"/>
-              <a:t>04/03/2024</a:t>
+              <a:t>05/03/2024</a:t>
             </a:fld>
             <a:endParaRPr lang="vi-VN"/>
           </a:p>
@@ -1977,7 +1977,7 @@
           <a:p>
             <a:fld id="{923C452B-650F-4E17-95D9-02601AA66E78}" type="datetimeFigureOut">
               <a:rPr lang="vi-VN" smtClean="0"/>
-              <a:t>04/03/2024</a:t>
+              <a:t>05/03/2024</a:t>
             </a:fld>
             <a:endParaRPr lang="vi-VN"/>
           </a:p>
@@ -2090,7 +2090,7 @@
           <a:p>
             <a:fld id="{923C452B-650F-4E17-95D9-02601AA66E78}" type="datetimeFigureOut">
               <a:rPr lang="vi-VN" smtClean="0"/>
-              <a:t>04/03/2024</a:t>
+              <a:t>05/03/2024</a:t>
             </a:fld>
             <a:endParaRPr lang="vi-VN"/>
           </a:p>
@@ -2403,7 +2403,7 @@
           <a:p>
             <a:fld id="{923C452B-650F-4E17-95D9-02601AA66E78}" type="datetimeFigureOut">
               <a:rPr lang="vi-VN" smtClean="0"/>
-              <a:t>04/03/2024</a:t>
+              <a:t>05/03/2024</a:t>
             </a:fld>
             <a:endParaRPr lang="vi-VN"/>
           </a:p>
@@ -2692,7 +2692,7 @@
           <a:p>
             <a:fld id="{923C452B-650F-4E17-95D9-02601AA66E78}" type="datetimeFigureOut">
               <a:rPr lang="vi-VN" smtClean="0"/>
-              <a:t>04/03/2024</a:t>
+              <a:t>05/03/2024</a:t>
             </a:fld>
             <a:endParaRPr lang="vi-VN"/>
           </a:p>
@@ -2935,7 +2935,7 @@
           <a:p>
             <a:fld id="{923C452B-650F-4E17-95D9-02601AA66E78}" type="datetimeFigureOut">
               <a:rPr lang="vi-VN" smtClean="0"/>
-              <a:t>04/03/2024</a:t>
+              <a:t>05/03/2024</a:t>
             </a:fld>
             <a:endParaRPr lang="vi-VN"/>
           </a:p>
@@ -9001,7 +9001,7 @@
         <p:spPr>
           <a:xfrm>
             <a:off x="7735078" y="1156996"/>
-            <a:ext cx="1710533" cy="369332"/>
+            <a:ext cx="1156086" cy="646331"/>
           </a:xfrm>
           <a:prstGeom prst="rect">
             <a:avLst/>
@@ -9050,6 +9050,14 @@
               </a:rPr>
               <a:t> </a:t>
             </a:r>
+            <a:br>
+              <a:rPr lang="en-US" dirty="0">
+                <a:solidFill>
+                  <a:schemeClr val="accent1"/>
+                </a:solidFill>
+                <a:latin typeface="Cambria Math" panose="02040503050406030204" pitchFamily="18" charset="0"/>
+              </a:rPr>
+            </a:br>
             <a:r>
               <a:rPr lang="en-US" dirty="0" err="1">
                 <a:solidFill>
@@ -9100,7 +9108,7 @@
         <p:spPr>
           <a:xfrm>
             <a:off x="7865707" y="5516338"/>
-            <a:ext cx="982705" cy="369332"/>
+            <a:ext cx="1228221" cy="646331"/>
           </a:xfrm>
           <a:prstGeom prst="rect">
             <a:avLst/>
@@ -9120,7 +9128,7 @@
                 </a:solidFill>
                 <a:latin typeface="Cambria Math" panose="02040503050406030204" pitchFamily="18" charset="0"/>
               </a:rPr>
-              <a:t>Thiết</a:t>
+              <a:t>Phát</a:t>
             </a:r>
             <a:r>
               <a:rPr lang="en-US" dirty="0">
@@ -9138,7 +9146,51 @@
                 </a:solidFill>
                 <a:latin typeface="Cambria Math" panose="02040503050406030204" pitchFamily="18" charset="0"/>
               </a:rPr>
-              <a:t>kế</a:t>
+              <a:t>triển</a:t>
+            </a:r>
+            <a:r>
+              <a:rPr lang="en-US" dirty="0">
+                <a:solidFill>
+                  <a:schemeClr val="accent1"/>
+                </a:solidFill>
+                <a:latin typeface="Cambria Math" panose="02040503050406030204" pitchFamily="18" charset="0"/>
+              </a:rPr>
+              <a:t> </a:t>
+            </a:r>
+            <a:br>
+              <a:rPr lang="en-US" dirty="0">
+                <a:solidFill>
+                  <a:schemeClr val="accent1"/>
+                </a:solidFill>
+                <a:latin typeface="Cambria Math" panose="02040503050406030204" pitchFamily="18" charset="0"/>
+              </a:rPr>
+            </a:br>
+            <a:r>
+              <a:rPr lang="en-US" dirty="0" err="1">
+                <a:solidFill>
+                  <a:schemeClr val="accent1"/>
+                </a:solidFill>
+                <a:latin typeface="Cambria Math" panose="02040503050406030204" pitchFamily="18" charset="0"/>
+              </a:rPr>
+              <a:t>phần</a:t>
+            </a:r>
+            <a:r>
+              <a:rPr lang="en-US" dirty="0">
+                <a:solidFill>
+                  <a:schemeClr val="accent1"/>
+                </a:solidFill>
+                <a:latin typeface="Cambria Math" panose="02040503050406030204" pitchFamily="18" charset="0"/>
+              </a:rPr>
+              <a:t> </a:t>
+            </a:r>
+            <a:r>
+              <a:rPr lang="en-US" dirty="0" err="1">
+                <a:solidFill>
+                  <a:schemeClr val="accent1"/>
+                </a:solidFill>
+                <a:latin typeface="Cambria Math" panose="02040503050406030204" pitchFamily="18" charset="0"/>
+              </a:rPr>
+              <a:t>mềm</a:t>
             </a:r>
             <a:endParaRPr lang="vi-VN" dirty="0">
               <a:solidFill>
